--- a/g2/Class 1/Presentation/CSAdvanded-Class1.pptx
+++ b/g2/Class 1/Presentation/CSAdvanded-Class1.pptx
@@ -410,7 +410,7 @@
             <a:fld id="{B61BEF0D-F0BB-DE4B-95CE-6DB70DBA9567}" type="datetimeFigureOut">
               <a:rPr lang="en-US" dirty="0"/>
               <a:pPr/>
-              <a:t>26/03/2019</a:t>
+              <a:t>27-Mar-19</a:t>
             </a:fld>
             <a:endParaRPr lang="en-US" dirty="0"/>
           </a:p>
@@ -745,7 +745,7 @@
             <a:fld id="{B61BEF0D-F0BB-DE4B-95CE-6DB70DBA9567}" type="datetimeFigureOut">
               <a:rPr lang="en-US" dirty="0"/>
               <a:pPr/>
-              <a:t>26/03/2019</a:t>
+              <a:t>27-Mar-19</a:t>
             </a:fld>
             <a:endParaRPr lang="en-US" dirty="0"/>
           </a:p>
@@ -1143,7 +1143,7 @@
             <a:fld id="{B61BEF0D-F0BB-DE4B-95CE-6DB70DBA9567}" type="datetimeFigureOut">
               <a:rPr lang="en-US" dirty="0"/>
               <a:pPr/>
-              <a:t>26/03/2019</a:t>
+              <a:t>27-Mar-19</a:t>
             </a:fld>
             <a:endParaRPr lang="en-US" dirty="0"/>
           </a:p>
@@ -1476,7 +1476,7 @@
             <a:fld id="{B61BEF0D-F0BB-DE4B-95CE-6DB70DBA9567}" type="datetimeFigureOut">
               <a:rPr lang="en-US" dirty="0"/>
               <a:pPr/>
-              <a:t>26/03/2019</a:t>
+              <a:t>27-Mar-19</a:t>
             </a:fld>
             <a:endParaRPr lang="en-US" dirty="0"/>
           </a:p>
@@ -1793,7 +1793,7 @@
             <a:fld id="{B61BEF0D-F0BB-DE4B-95CE-6DB70DBA9567}" type="datetimeFigureOut">
               <a:rPr lang="en-US" dirty="0"/>
               <a:pPr/>
-              <a:t>26/03/2019</a:t>
+              <a:t>27-Mar-19</a:t>
             </a:fld>
             <a:endParaRPr lang="en-US" dirty="0"/>
           </a:p>
@@ -2186,7 +2186,7 @@
             <a:fld id="{B61BEF0D-F0BB-DE4B-95CE-6DB70DBA9567}" type="datetimeFigureOut">
               <a:rPr lang="en-US" dirty="0"/>
               <a:pPr/>
-              <a:t>26/03/2019</a:t>
+              <a:t>27-Mar-19</a:t>
             </a:fld>
             <a:endParaRPr lang="en-US" dirty="0"/>
           </a:p>
@@ -2440,7 +2440,7 @@
             <a:fld id="{B61BEF0D-F0BB-DE4B-95CE-6DB70DBA9567}" type="datetimeFigureOut">
               <a:rPr lang="en-US" dirty="0"/>
               <a:pPr/>
-              <a:t>26/03/2019</a:t>
+              <a:t>27-Mar-19</a:t>
             </a:fld>
             <a:endParaRPr lang="en-US" dirty="0"/>
           </a:p>
@@ -2699,7 +2699,7 @@
             <a:fld id="{B61BEF0D-F0BB-DE4B-95CE-6DB70DBA9567}" type="datetimeFigureOut">
               <a:rPr lang="en-US" dirty="0"/>
               <a:pPr/>
-              <a:t>26/03/2019</a:t>
+              <a:t>27-Mar-19</a:t>
             </a:fld>
             <a:endParaRPr lang="en-US" dirty="0"/>
           </a:p>
@@ -2958,7 +2958,7 @@
             <a:fld id="{B61BEF0D-F0BB-DE4B-95CE-6DB70DBA9567}" type="datetimeFigureOut">
               <a:rPr lang="en-US" dirty="0"/>
               <a:pPr/>
-              <a:t>26/03/2019</a:t>
+              <a:t>27-Mar-19</a:t>
             </a:fld>
             <a:endParaRPr lang="en-US" dirty="0"/>
           </a:p>
@@ -3284,7 +3284,7 @@
             <a:fld id="{B61BEF0D-F0BB-DE4B-95CE-6DB70DBA9567}" type="datetimeFigureOut">
               <a:rPr lang="en-US" dirty="0"/>
               <a:pPr/>
-              <a:t>26/03/2019</a:t>
+              <a:t>27-Mar-19</a:t>
             </a:fld>
             <a:endParaRPr lang="en-US" dirty="0"/>
           </a:p>
@@ -3604,7 +3604,7 @@
             <a:fld id="{B61BEF0D-F0BB-DE4B-95CE-6DB70DBA9567}" type="datetimeFigureOut">
               <a:rPr lang="en-US" dirty="0"/>
               <a:pPr/>
-              <a:t>26/03/2019</a:t>
+              <a:t>27-Mar-19</a:t>
             </a:fld>
             <a:endParaRPr lang="en-US" dirty="0"/>
           </a:p>
@@ -4058,7 +4058,7 @@
             <a:fld id="{B61BEF0D-F0BB-DE4B-95CE-6DB70DBA9567}" type="datetimeFigureOut">
               <a:rPr lang="en-US" dirty="0"/>
               <a:pPr/>
-              <a:t>26/03/2019</a:t>
+              <a:t>27-Mar-19</a:t>
             </a:fld>
             <a:endParaRPr lang="en-US" dirty="0"/>
           </a:p>
@@ -4260,7 +4260,7 @@
             <a:fld id="{B61BEF0D-F0BB-DE4B-95CE-6DB70DBA9567}" type="datetimeFigureOut">
               <a:rPr lang="en-US" dirty="0"/>
               <a:pPr/>
-              <a:t>26/03/2019</a:t>
+              <a:t>27-Mar-19</a:t>
             </a:fld>
             <a:endParaRPr lang="en-US" dirty="0"/>
           </a:p>
@@ -4434,7 +4434,7 @@
             <a:fld id="{B61BEF0D-F0BB-DE4B-95CE-6DB70DBA9567}" type="datetimeFigureOut">
               <a:rPr lang="en-US" dirty="0"/>
               <a:pPr/>
-              <a:t>26/03/2019</a:t>
+              <a:t>27-Mar-19</a:t>
             </a:fld>
             <a:endParaRPr lang="en-US" dirty="0"/>
           </a:p>
@@ -4764,7 +4764,7 @@
             <a:fld id="{B61BEF0D-F0BB-DE4B-95CE-6DB70DBA9567}" type="datetimeFigureOut">
               <a:rPr lang="en-US" dirty="0"/>
               <a:pPr/>
-              <a:t>26/03/2019</a:t>
+              <a:t>27-Mar-19</a:t>
             </a:fld>
             <a:endParaRPr lang="en-US" dirty="0"/>
           </a:p>
@@ -5106,7 +5106,7 @@
             <a:fld id="{B61BEF0D-F0BB-DE4B-95CE-6DB70DBA9567}" type="datetimeFigureOut">
               <a:rPr lang="en-US" dirty="0"/>
               <a:pPr/>
-              <a:t>26/03/2019</a:t>
+              <a:t>27-Mar-19</a:t>
             </a:fld>
             <a:endParaRPr lang="en-US" dirty="0"/>
           </a:p>
@@ -7220,7 +7220,7 @@
             <a:fld id="{B61BEF0D-F0BB-DE4B-95CE-6DB70DBA9567}" type="datetimeFigureOut">
               <a:rPr lang="en-US" dirty="0"/>
               <a:pPr/>
-              <a:t>26/03/2019</a:t>
+              <a:t>27-Mar-19</a:t>
             </a:fld>
             <a:endParaRPr lang="en-US" dirty="0"/>
           </a:p>
@@ -8044,18 +8044,42 @@
           <a:p>
             <a:r>
               <a:rPr lang="en-US" b="1" dirty="0" smtClean="0"/>
-              <a:t>Trainer:	Igor Micev</a:t>
+              <a:t>Trainer:	</a:t>
+            </a:r>
+            <a:r>
+              <a:rPr lang="en-US" b="1" dirty="0" err="1" smtClean="0"/>
+              <a:t>Marjan</a:t>
+            </a:r>
+            <a:r>
+              <a:rPr lang="en-US" b="1" dirty="0" smtClean="0"/>
+              <a:t> </a:t>
+            </a:r>
+            <a:r>
+              <a:rPr lang="en-US" b="1" dirty="0" err="1" smtClean="0"/>
+              <a:t>Pushev</a:t>
             </a:r>
             <a:endParaRPr lang="en-US" dirty="0" smtClean="0"/>
           </a:p>
           <a:p>
             <a:r>
               <a:rPr lang="en-US" b="1" dirty="0" smtClean="0"/>
-              <a:t>Assistant: Dejan </a:t>
+              <a:t>Assistant</a:t>
+            </a:r>
+            <a:r>
+              <a:rPr lang="en-US" b="1" dirty="0" smtClean="0"/>
+              <a:t>: </a:t>
             </a:r>
             <a:r>
               <a:rPr lang="en-US" b="1" dirty="0" err="1" smtClean="0"/>
-              <a:t>Jovanov</a:t>
+              <a:t>Dejan</a:t>
+            </a:r>
+            <a:r>
+              <a:rPr lang="en-US" b="1" dirty="0" smtClean="0"/>
+              <a:t> </a:t>
+            </a:r>
+            <a:r>
+              <a:rPr lang="en-US" b="1" dirty="0" err="1" smtClean="0"/>
+              <a:t>Blazheski</a:t>
             </a:r>
             <a:endParaRPr lang="en-US" dirty="0"/>
           </a:p>
